--- a/doc/01_勉強会/01_勉強会資料/20180719_勉強会/02.資料/03_Reactの基礎知識 .pptx
+++ b/doc/01_勉強会/01_勉強会資料/20180719_勉強会/02.資料/03_Reactの基礎知識 .pptx
@@ -221,7 +221,7 @@
           <a:p>
             <a:fld id="{2FA7D4A1-D6E2-4B97-8DF5-43A2A6E9364B}" type="datetimeFigureOut">
               <a:rPr kumimoji="1" lang="ja-JP" altLang="en-US" smtClean="0"/>
-              <a:t>2018/7/16</a:t>
+              <a:t>2018/7/18</a:t>
             </a:fld>
             <a:endParaRPr kumimoji="1" lang="ja-JP" altLang="en-US"/>
           </a:p>
@@ -688,7 +688,7 @@
           <a:p>
             <a:fld id="{2FA7D4A1-D6E2-4B97-8DF5-43A2A6E9364B}" type="datetimeFigureOut">
               <a:rPr kumimoji="1" lang="ja-JP" altLang="en-US" smtClean="0"/>
-              <a:t>2018/7/16</a:t>
+              <a:t>2018/7/18</a:t>
             </a:fld>
             <a:endParaRPr kumimoji="1" lang="ja-JP" altLang="en-US"/>
           </a:p>
@@ -1128,7 +1128,7 @@
           <a:p>
             <a:fld id="{2FA7D4A1-D6E2-4B97-8DF5-43A2A6E9364B}" type="datetimeFigureOut">
               <a:rPr kumimoji="1" lang="ja-JP" altLang="en-US" smtClean="0"/>
-              <a:t>2018/7/16</a:t>
+              <a:t>2018/7/18</a:t>
             </a:fld>
             <a:endParaRPr kumimoji="1" lang="ja-JP" altLang="en-US"/>
           </a:p>
@@ -1253,7 +1253,7 @@
           <a:p>
             <a:fld id="{2FA7D4A1-D6E2-4B97-8DF5-43A2A6E9364B}" type="datetimeFigureOut">
               <a:rPr kumimoji="1" lang="ja-JP" altLang="en-US" smtClean="0"/>
-              <a:t>2018/7/16</a:t>
+              <a:t>2018/7/18</a:t>
             </a:fld>
             <a:endParaRPr kumimoji="1" lang="ja-JP" altLang="en-US"/>
           </a:p>
@@ -1485,7 +1485,7 @@
           <a:p>
             <a:fld id="{2FA7D4A1-D6E2-4B97-8DF5-43A2A6E9364B}" type="datetimeFigureOut">
               <a:rPr kumimoji="1" lang="ja-JP" altLang="en-US" smtClean="0"/>
-              <a:t>2018/7/16</a:t>
+              <a:t>2018/7/18</a:t>
             </a:fld>
             <a:endParaRPr kumimoji="1" lang="ja-JP" altLang="en-US"/>
           </a:p>
@@ -1721,7 +1721,7 @@
                 </a:solidFill>
               </a:rPr>
               <a:pPr/>
-              <a:t>7/16/2018</a:t>
+              <a:t>7/18/2018</a:t>
             </a:fld>
             <a:endParaRPr lang="en-US" dirty="0">
               <a:solidFill>
@@ -2016,7 +2016,7 @@
           <a:p>
             <a:fld id="{2FA7D4A1-D6E2-4B97-8DF5-43A2A6E9364B}" type="datetimeFigureOut">
               <a:rPr kumimoji="1" lang="ja-JP" altLang="en-US" smtClean="0"/>
-              <a:t>2018/7/16</a:t>
+              <a:t>2018/7/18</a:t>
             </a:fld>
             <a:endParaRPr kumimoji="1" lang="ja-JP" altLang="en-US"/>
           </a:p>
@@ -5015,58 +5015,13 @@
       </p:grpSpPr>
       <p:sp>
         <p:nvSpPr>
-          <p:cNvPr id="41" name="正方形/長方形 40"/>
-          <p:cNvSpPr/>
-          <p:nvPr/>
-        </p:nvSpPr>
-        <p:spPr>
-          <a:xfrm>
-            <a:off x="5908501" y="2414997"/>
-            <a:ext cx="5453612" cy="4226872"/>
-          </a:xfrm>
-          <a:prstGeom prst="rect">
-            <a:avLst/>
-          </a:prstGeom>
-          <a:solidFill>
-            <a:srgbClr val="E9FBF9"/>
-          </a:solidFill>
-          <a:ln>
-            <a:noFill/>
-          </a:ln>
-        </p:spPr>
-        <p:txBody>
-          <a:bodyPr anchor="ctr"/>
-          <a:lstStyle/>
-          <a:p>
-            <a:pPr>
-              <a:lnSpc>
-                <a:spcPct val="90000"/>
-              </a:lnSpc>
-              <a:spcBef>
-                <a:spcPts val="1000"/>
-              </a:spcBef>
-              <a:buFont typeface="Arial" panose="020B0604020202020204" pitchFamily="34" charset="0"/>
-              <a:buNone/>
-            </a:pPr>
-            <a:endParaRPr lang="ja-JP" altLang="en-US" sz="2000" dirty="0">
-              <a:solidFill>
-                <a:schemeClr val="tx1"/>
-              </a:solidFill>
-              <a:latin typeface="Meiryo UI" panose="020B0604030504040204" pitchFamily="50" charset="-128"/>
-              <a:ea typeface="Meiryo UI" panose="020B0604030504040204" pitchFamily="50" charset="-128"/>
-            </a:endParaRPr>
-          </a:p>
-        </p:txBody>
-      </p:sp>
-      <p:sp>
-        <p:nvSpPr>
           <p:cNvPr id="45" name="正方形/長方形 44"/>
           <p:cNvSpPr/>
           <p:nvPr/>
         </p:nvSpPr>
         <p:spPr>
           <a:xfrm>
-            <a:off x="6202372" y="3179975"/>
+            <a:off x="6202372" y="2852729"/>
             <a:ext cx="4978246" cy="3345516"/>
           </a:xfrm>
           <a:prstGeom prst="rect">
@@ -5312,7 +5267,7 @@
         </p:nvSpPr>
         <p:spPr>
           <a:xfrm>
-            <a:off x="6450367" y="4837460"/>
+            <a:off x="6450367" y="4510214"/>
             <a:ext cx="4442341" cy="1555027"/>
           </a:xfrm>
           <a:prstGeom prst="rect">
@@ -5353,214 +5308,6 @@
                 <a:schemeClr val="tx1"/>
               </a:solidFill>
             </a:endParaRPr>
-          </a:p>
-        </p:txBody>
-      </p:sp>
-      <p:sp>
-        <p:nvSpPr>
-          <p:cNvPr id="9" name="コンテンツ プレースホルダー 3"/>
-          <p:cNvSpPr txBox="1">
-            <a:spLocks/>
-          </p:cNvSpPr>
-          <p:nvPr/>
-        </p:nvSpPr>
-        <p:spPr>
-          <a:xfrm>
-            <a:off x="5916813" y="2428141"/>
-            <a:ext cx="1240924" cy="443542"/>
-          </a:xfrm>
-          <a:prstGeom prst="rect">
-            <a:avLst/>
-          </a:prstGeom>
-          <a:solidFill>
-            <a:schemeClr val="accent4">
-              <a:lumMod val="60000"/>
-              <a:lumOff val="40000"/>
-            </a:schemeClr>
-          </a:solidFill>
-          <a:ln>
-            <a:solidFill>
-              <a:schemeClr val="bg1">
-                <a:lumMod val="85000"/>
-              </a:schemeClr>
-            </a:solidFill>
-          </a:ln>
-        </p:spPr>
-        <p:txBody>
-          <a:bodyPr anchor="ctr"/>
-          <a:lstStyle>
-            <a:lvl1pPr marL="228600" indent="-228600" algn="l" defTabSz="914400" rtl="0" eaLnBrk="1" latinLnBrk="0" hangingPunct="1">
-              <a:lnSpc>
-                <a:spcPct val="90000"/>
-              </a:lnSpc>
-              <a:spcBef>
-                <a:spcPts val="1000"/>
-              </a:spcBef>
-              <a:buFont typeface="Arial" panose="020B0604020202020204" pitchFamily="34" charset="0"/>
-              <a:buChar char="•"/>
-              <a:defRPr kumimoji="1" sz="2000" kern="1200">
-                <a:solidFill>
-                  <a:schemeClr val="tx1"/>
-                </a:solidFill>
-                <a:latin typeface="Meiryo UI" panose="020B0604030504040204" pitchFamily="50" charset="-128"/>
-                <a:ea typeface="Meiryo UI" panose="020B0604030504040204" pitchFamily="50" charset="-128"/>
-                <a:cs typeface="+mn-cs"/>
-              </a:defRPr>
-            </a:lvl1pPr>
-            <a:lvl2pPr marL="685800" indent="-228600" algn="l" defTabSz="914400" rtl="0" eaLnBrk="1" latinLnBrk="0" hangingPunct="1">
-              <a:lnSpc>
-                <a:spcPct val="90000"/>
-              </a:lnSpc>
-              <a:spcBef>
-                <a:spcPts val="500"/>
-              </a:spcBef>
-              <a:buFont typeface="Arial" panose="020B0604020202020204" pitchFamily="34" charset="0"/>
-              <a:buChar char="•"/>
-              <a:defRPr kumimoji="1" sz="1800" kern="1200">
-                <a:solidFill>
-                  <a:schemeClr val="tx1"/>
-                </a:solidFill>
-                <a:latin typeface="Meiryo UI" panose="020B0604030504040204" pitchFamily="50" charset="-128"/>
-                <a:ea typeface="Meiryo UI" panose="020B0604030504040204" pitchFamily="50" charset="-128"/>
-                <a:cs typeface="+mn-cs"/>
-              </a:defRPr>
-            </a:lvl2pPr>
-            <a:lvl3pPr marL="1143000" indent="-228600" algn="l" defTabSz="914400" rtl="0" eaLnBrk="1" latinLnBrk="0" hangingPunct="1">
-              <a:lnSpc>
-                <a:spcPct val="90000"/>
-              </a:lnSpc>
-              <a:spcBef>
-                <a:spcPts val="500"/>
-              </a:spcBef>
-              <a:buFont typeface="Arial" panose="020B0604020202020204" pitchFamily="34" charset="0"/>
-              <a:buChar char="•"/>
-              <a:defRPr kumimoji="1" sz="1600" kern="1200">
-                <a:solidFill>
-                  <a:schemeClr val="tx1"/>
-                </a:solidFill>
-                <a:latin typeface="Meiryo UI" panose="020B0604030504040204" pitchFamily="50" charset="-128"/>
-                <a:ea typeface="Meiryo UI" panose="020B0604030504040204" pitchFamily="50" charset="-128"/>
-                <a:cs typeface="+mn-cs"/>
-              </a:defRPr>
-            </a:lvl3pPr>
-            <a:lvl4pPr marL="1600200" indent="-228600" algn="l" defTabSz="914400" rtl="0" eaLnBrk="1" latinLnBrk="0" hangingPunct="1">
-              <a:lnSpc>
-                <a:spcPct val="90000"/>
-              </a:lnSpc>
-              <a:spcBef>
-                <a:spcPts val="500"/>
-              </a:spcBef>
-              <a:buFont typeface="Arial" panose="020B0604020202020204" pitchFamily="34" charset="0"/>
-              <a:buChar char="•"/>
-              <a:defRPr kumimoji="1" sz="1400" kern="1200">
-                <a:solidFill>
-                  <a:schemeClr val="tx1"/>
-                </a:solidFill>
-                <a:latin typeface="Meiryo UI" panose="020B0604030504040204" pitchFamily="50" charset="-128"/>
-                <a:ea typeface="Meiryo UI" panose="020B0604030504040204" pitchFamily="50" charset="-128"/>
-                <a:cs typeface="+mn-cs"/>
-              </a:defRPr>
-            </a:lvl4pPr>
-            <a:lvl5pPr marL="2057400" indent="-228600" algn="l" defTabSz="914400" rtl="0" eaLnBrk="1" latinLnBrk="0" hangingPunct="1">
-              <a:lnSpc>
-                <a:spcPct val="90000"/>
-              </a:lnSpc>
-              <a:spcBef>
-                <a:spcPts val="500"/>
-              </a:spcBef>
-              <a:buFont typeface="Arial" panose="020B0604020202020204" pitchFamily="34" charset="0"/>
-              <a:buChar char="•"/>
-              <a:defRPr kumimoji="1" sz="1200" kern="1200">
-                <a:solidFill>
-                  <a:schemeClr val="tx1"/>
-                </a:solidFill>
-                <a:latin typeface="Meiryo UI" panose="020B0604030504040204" pitchFamily="50" charset="-128"/>
-                <a:ea typeface="Meiryo UI" panose="020B0604030504040204" pitchFamily="50" charset="-128"/>
-                <a:cs typeface="+mn-cs"/>
-              </a:defRPr>
-            </a:lvl5pPr>
-            <a:lvl6pPr marL="2514600" indent="-228600" algn="l" defTabSz="914400" rtl="0" eaLnBrk="1" latinLnBrk="0" hangingPunct="1">
-              <a:lnSpc>
-                <a:spcPct val="90000"/>
-              </a:lnSpc>
-              <a:spcBef>
-                <a:spcPts val="500"/>
-              </a:spcBef>
-              <a:buFont typeface="Arial" panose="020B0604020202020204" pitchFamily="34" charset="0"/>
-              <a:buChar char="•"/>
-              <a:defRPr kumimoji="1" sz="1800" kern="1200">
-                <a:solidFill>
-                  <a:schemeClr val="tx1"/>
-                </a:solidFill>
-                <a:latin typeface="+mn-lt"/>
-                <a:ea typeface="+mn-ea"/>
-                <a:cs typeface="+mn-cs"/>
-              </a:defRPr>
-            </a:lvl6pPr>
-            <a:lvl7pPr marL="2971800" indent="-228600" algn="l" defTabSz="914400" rtl="0" eaLnBrk="1" latinLnBrk="0" hangingPunct="1">
-              <a:lnSpc>
-                <a:spcPct val="90000"/>
-              </a:lnSpc>
-              <a:spcBef>
-                <a:spcPts val="500"/>
-              </a:spcBef>
-              <a:buFont typeface="Arial" panose="020B0604020202020204" pitchFamily="34" charset="0"/>
-              <a:buChar char="•"/>
-              <a:defRPr kumimoji="1" sz="1800" kern="1200">
-                <a:solidFill>
-                  <a:schemeClr val="tx1"/>
-                </a:solidFill>
-                <a:latin typeface="+mn-lt"/>
-                <a:ea typeface="+mn-ea"/>
-                <a:cs typeface="+mn-cs"/>
-              </a:defRPr>
-            </a:lvl7pPr>
-            <a:lvl8pPr marL="3429000" indent="-228600" algn="l" defTabSz="914400" rtl="0" eaLnBrk="1" latinLnBrk="0" hangingPunct="1">
-              <a:lnSpc>
-                <a:spcPct val="90000"/>
-              </a:lnSpc>
-              <a:spcBef>
-                <a:spcPts val="500"/>
-              </a:spcBef>
-              <a:buFont typeface="Arial" panose="020B0604020202020204" pitchFamily="34" charset="0"/>
-              <a:buChar char="•"/>
-              <a:defRPr kumimoji="1" sz="1800" kern="1200">
-                <a:solidFill>
-                  <a:schemeClr val="tx1"/>
-                </a:solidFill>
-                <a:latin typeface="+mn-lt"/>
-                <a:ea typeface="+mn-ea"/>
-                <a:cs typeface="+mn-cs"/>
-              </a:defRPr>
-            </a:lvl8pPr>
-            <a:lvl9pPr marL="3886200" indent="-228600" algn="l" defTabSz="914400" rtl="0" eaLnBrk="1" latinLnBrk="0" hangingPunct="1">
-              <a:lnSpc>
-                <a:spcPct val="90000"/>
-              </a:lnSpc>
-              <a:spcBef>
-                <a:spcPts val="500"/>
-              </a:spcBef>
-              <a:buFont typeface="Arial" panose="020B0604020202020204" pitchFamily="34" charset="0"/>
-              <a:buChar char="•"/>
-              <a:defRPr kumimoji="1" sz="1800" kern="1200">
-                <a:solidFill>
-                  <a:schemeClr val="tx1"/>
-                </a:solidFill>
-                <a:latin typeface="+mn-lt"/>
-                <a:ea typeface="+mn-ea"/>
-                <a:cs typeface="+mn-cs"/>
-              </a:defRPr>
-            </a:lvl9pPr>
-          </a:lstStyle>
-          <a:p>
-            <a:pPr marL="0" indent="0" algn="ctr">
-              <a:buFont typeface="Arial" panose="020B0604020202020204" pitchFamily="34" charset="0"/>
-              <a:buNone/>
-            </a:pPr>
-            <a:r>
-              <a:rPr lang="ja-JP" altLang="en-US" dirty="0"/>
-              <a:t>画面</a:t>
-            </a:r>
           </a:p>
         </p:txBody>
       </p:sp>
@@ -5656,7 +5403,7 @@
         </p:nvSpPr>
         <p:spPr>
           <a:xfrm>
-            <a:off x="6202372" y="3184696"/>
+            <a:off x="6202372" y="2857450"/>
             <a:ext cx="1180582" cy="232754"/>
           </a:xfrm>
           <a:prstGeom prst="rect">
@@ -5711,7 +5458,7 @@
         </p:nvSpPr>
         <p:spPr>
           <a:xfrm>
-            <a:off x="6453025" y="4838755"/>
+            <a:off x="6453025" y="4511509"/>
             <a:ext cx="1336000" cy="232754"/>
           </a:xfrm>
           <a:prstGeom prst="rect">
@@ -5766,7 +5513,7 @@
         </p:nvSpPr>
         <p:spPr>
           <a:xfrm>
-            <a:off x="6469415" y="3657971"/>
+            <a:off x="6469415" y="3330725"/>
             <a:ext cx="4442341" cy="938968"/>
           </a:xfrm>
           <a:prstGeom prst="rect">
@@ -5818,7 +5565,7 @@
         </p:nvSpPr>
         <p:spPr>
           <a:xfrm>
-            <a:off x="6625244" y="4037293"/>
+            <a:off x="6625244" y="3710047"/>
             <a:ext cx="3342009" cy="378802"/>
           </a:xfrm>
           <a:prstGeom prst="rect">
@@ -5861,7 +5608,7 @@
         </p:nvSpPr>
         <p:spPr>
           <a:xfrm>
-            <a:off x="9967253" y="4034699"/>
+            <a:off x="9967253" y="3707453"/>
             <a:ext cx="814468" cy="378802"/>
           </a:xfrm>
           <a:prstGeom prst="rect">
@@ -5915,7 +5662,7 @@
         </p:nvSpPr>
         <p:spPr>
           <a:xfrm>
-            <a:off x="6469651" y="3661184"/>
+            <a:off x="6469651" y="3333938"/>
             <a:ext cx="1336000" cy="232754"/>
           </a:xfrm>
           <a:prstGeom prst="rect">
@@ -5970,7 +5717,7 @@
         </p:nvSpPr>
         <p:spPr>
           <a:xfrm>
-            <a:off x="6637238" y="5557086"/>
+            <a:off x="6637238" y="5229840"/>
             <a:ext cx="1543660" cy="584135"/>
           </a:xfrm>
           <a:prstGeom prst="rect">
@@ -6030,7 +5777,7 @@
         </p:nvSpPr>
         <p:spPr>
           <a:xfrm>
-            <a:off x="8058504" y="5082618"/>
+            <a:off x="8058504" y="4755372"/>
             <a:ext cx="860500" cy="276999"/>
           </a:xfrm>
           <a:prstGeom prst="rect">
@@ -6060,7 +5807,7 @@
         </p:nvSpPr>
         <p:spPr>
           <a:xfrm>
-            <a:off x="8312410" y="5448517"/>
+            <a:off x="8312410" y="5121271"/>
             <a:ext cx="2381373" cy="854622"/>
           </a:xfrm>
           <a:prstGeom prst="rect">
@@ -6934,7 +6681,27 @@
                   <a:latin typeface="ＭＳ Ｐゴシック" panose="020B0600070205080204" pitchFamily="50" charset="-128"/>
                   <a:ea typeface="ＭＳ Ｐゴシック" panose="020B0600070205080204" pitchFamily="50" charset="-128"/>
                 </a:rPr>
-                <a:t>&lt;testComponent /&gt;,</a:t>
+                <a:t>&lt;</a:t>
+              </a:r>
+              <a:r>
+                <a:rPr lang="en-US" altLang="ja-JP" dirty="0" err="1" smtClean="0">
+                  <a:solidFill>
+                    <a:srgbClr val="333333"/>
+                  </a:solidFill>
+                  <a:latin typeface="ＭＳ Ｐゴシック" panose="020B0600070205080204" pitchFamily="50" charset="-128"/>
+                  <a:ea typeface="ＭＳ Ｐゴシック" panose="020B0600070205080204" pitchFamily="50" charset="-128"/>
+                </a:rPr>
+                <a:t>testComponent</a:t>
+              </a:r>
+              <a:r>
+                <a:rPr lang="en-US" altLang="ja-JP" dirty="0" smtClean="0">
+                  <a:solidFill>
+                    <a:srgbClr val="333333"/>
+                  </a:solidFill>
+                  <a:latin typeface="ＭＳ Ｐゴシック" panose="020B0600070205080204" pitchFamily="50" charset="-128"/>
+                  <a:ea typeface="ＭＳ Ｐゴシック" panose="020B0600070205080204" pitchFamily="50" charset="-128"/>
+                </a:rPr>
+                <a:t> /&gt;,</a:t>
               </a:r>
               <a:endParaRPr lang="en-US" altLang="ja-JP" dirty="0">
                 <a:solidFill>
@@ -11014,7 +10781,7 @@
             </a:p>
             <a:p>
               <a:r>
-                <a:rPr lang="en-US" altLang="ja-JP" dirty="0">
+                <a:rPr lang="en-US" altLang="ja-JP" dirty="0" smtClean="0">
                   <a:solidFill>
                     <a:srgbClr val="333333"/>
                   </a:solidFill>
@@ -11026,54 +10793,34 @@
             </a:p>
             <a:p>
               <a:r>
-                <a:rPr lang="en-US" altLang="ja-JP" dirty="0">
+                <a:rPr lang="en-US" altLang="ja-JP" dirty="0" smtClean="0">
                   <a:solidFill>
                     <a:srgbClr val="333333"/>
                   </a:solidFill>
                   <a:latin typeface="ＭＳ Ｐゴシック" panose="020B0600070205080204" pitchFamily="50" charset="-128"/>
                   <a:ea typeface="ＭＳ Ｐゴシック" panose="020B0600070205080204" pitchFamily="50" charset="-128"/>
                 </a:rPr>
-                <a:t>  </a:t>
+                <a:t>  &lt;TestComponent </a:t>
+              </a:r>
+              <a:r>
+                <a:rPr lang="en-US" altLang="ja-JP" dirty="0" err="1" smtClean="0">
+                  <a:solidFill>
+                    <a:srgbClr val="FF5050"/>
+                  </a:solidFill>
+                  <a:latin typeface="ＭＳ Ｐゴシック" panose="020B0600070205080204" pitchFamily="50" charset="-128"/>
+                  <a:ea typeface="ＭＳ Ｐゴシック" panose="020B0600070205080204" pitchFamily="50" charset="-128"/>
+                </a:rPr>
+                <a:t>propsName</a:t>
               </a:r>
               <a:r>
                 <a:rPr lang="en-US" altLang="ja-JP" dirty="0" smtClean="0">
                   <a:solidFill>
-                    <a:srgbClr val="333333"/>
+                    <a:srgbClr val="FF5050"/>
                   </a:solidFill>
                   <a:latin typeface="ＭＳ Ｐゴシック" panose="020B0600070205080204" pitchFamily="50" charset="-128"/>
                   <a:ea typeface="ＭＳ Ｐゴシック" panose="020B0600070205080204" pitchFamily="50" charset="-128"/>
                 </a:rPr>
-                <a:t>&lt;TestComponent </a:t>
-              </a:r>
-              <a:r>
-                <a:rPr lang="en-US" altLang="ja-JP" dirty="0" smtClean="0">
-                  <a:solidFill>
-                    <a:srgbClr val="FF5050"/>
-                  </a:solidFill>
-                  <a:latin typeface="ＭＳ Ｐゴシック" panose="020B0600070205080204" pitchFamily="50" charset="-128"/>
-                  <a:ea typeface="ＭＳ Ｐゴシック" panose="020B0600070205080204" pitchFamily="50" charset="-128"/>
-                </a:rPr>
-                <a:t>propsName=</a:t>
-              </a:r>
-              <a:r>
-                <a:rPr lang="en-US" altLang="ja-JP" dirty="0">
-                  <a:solidFill>
-                    <a:srgbClr val="FF5050"/>
-                  </a:solidFill>
-                  <a:latin typeface="ＭＳ Ｐゴシック" panose="020B0600070205080204" pitchFamily="50" charset="-128"/>
-                  <a:ea typeface="ＭＳ Ｐゴシック" panose="020B0600070205080204" pitchFamily="50" charset="-128"/>
-                </a:rPr>
-                <a:t>"</a:t>
-              </a:r>
-              <a:r>
-                <a:rPr lang="en-US" altLang="ja-JP" dirty="0" smtClean="0">
-                  <a:solidFill>
-                    <a:srgbClr val="FF5050"/>
-                  </a:solidFill>
-                  <a:latin typeface="ＭＳ Ｐゴシック" panose="020B0600070205080204" pitchFamily="50" charset="-128"/>
-                  <a:ea typeface="ＭＳ Ｐゴシック" panose="020B0600070205080204" pitchFamily="50" charset="-128"/>
-                </a:rPr>
-                <a:t>value"</a:t>
+                <a:t>="value"</a:t>
               </a:r>
               <a:r>
                 <a:rPr lang="en-US" altLang="ja-JP" dirty="0" smtClean="0">
@@ -11085,46 +10832,22 @@
                 </a:rPr>
                 <a:t>/&gt;,</a:t>
               </a:r>
-              <a:endParaRPr lang="en-US" altLang="ja-JP" dirty="0">
-                <a:solidFill>
-                  <a:srgbClr val="333333"/>
-                </a:solidFill>
-                <a:latin typeface="ＭＳ Ｐゴシック" panose="020B0600070205080204" pitchFamily="50" charset="-128"/>
-                <a:ea typeface="ＭＳ Ｐゴシック" panose="020B0600070205080204" pitchFamily="50" charset="-128"/>
-              </a:endParaRPr>
             </a:p>
             <a:p>
               <a:r>
-                <a:rPr lang="en-US" altLang="ja-JP" dirty="0">
+                <a:rPr lang="en-US" altLang="ja-JP" dirty="0" smtClean="0">
                   <a:solidFill>
                     <a:srgbClr val="333333"/>
                   </a:solidFill>
                   <a:latin typeface="ＭＳ Ｐゴシック" panose="020B0600070205080204" pitchFamily="50" charset="-128"/>
                   <a:ea typeface="ＭＳ Ｐゴシック" panose="020B0600070205080204" pitchFamily="50" charset="-128"/>
                 </a:rPr>
-                <a:t>  document.getElementById</a:t>
+                <a:t>  document.getElementById(‘sample')</a:t>
               </a:r>
-              <a:r>
-                <a:rPr lang="en-US" altLang="ja-JP" dirty="0" smtClean="0">
-                  <a:solidFill>
-                    <a:srgbClr val="333333"/>
-                  </a:solidFill>
-                  <a:latin typeface="ＭＳ Ｐゴシック" panose="020B0600070205080204" pitchFamily="50" charset="-128"/>
-                  <a:ea typeface="ＭＳ Ｐゴシック" panose="020B0600070205080204" pitchFamily="50" charset="-128"/>
-                </a:rPr>
-                <a:t>(‘sample')</a:t>
-              </a:r>
-              <a:endParaRPr lang="en-US" altLang="ja-JP" dirty="0">
-                <a:solidFill>
-                  <a:srgbClr val="333333"/>
-                </a:solidFill>
-                <a:latin typeface="ＭＳ Ｐゴシック" panose="020B0600070205080204" pitchFamily="50" charset="-128"/>
-                <a:ea typeface="ＭＳ Ｐゴシック" panose="020B0600070205080204" pitchFamily="50" charset="-128"/>
-              </a:endParaRPr>
             </a:p>
             <a:p>
               <a:r>
-                <a:rPr lang="en-US" altLang="ja-JP" dirty="0">
+                <a:rPr lang="en-US" altLang="ja-JP" dirty="0" smtClean="0">
                   <a:solidFill>
                     <a:srgbClr val="333333"/>
                   </a:solidFill>
@@ -12058,9 +11781,9 @@
         <p:grpSpPr>
           <a:xfrm>
             <a:off x="538890" y="1080195"/>
-            <a:ext cx="11164927" cy="5633283"/>
+            <a:ext cx="11164927" cy="5832993"/>
             <a:chOff x="538890" y="2134708"/>
-            <a:chExt cx="11164927" cy="1936435"/>
+            <a:chExt cx="11164927" cy="2005085"/>
           </a:xfrm>
         </p:grpSpPr>
         <p:grpSp>
@@ -12499,8 +12222,8 @@
           </p:nvSpPr>
           <p:spPr>
             <a:xfrm>
-              <a:off x="796355" y="2294046"/>
-              <a:ext cx="6269729" cy="1745665"/>
+              <a:off x="659654" y="2288330"/>
+              <a:ext cx="6269729" cy="1851463"/>
             </a:xfrm>
             <a:prstGeom prst="rect">
               <a:avLst/>
@@ -12513,7 +12236,7 @@
             <a:lstStyle/>
             <a:p>
               <a:r>
-                <a:rPr lang="en-US" altLang="ja-JP" dirty="0" smtClean="0">
+                <a:rPr lang="en-US" altLang="ja-JP" sz="1600" dirty="0" smtClean="0">
                   <a:solidFill>
                     <a:srgbClr val="333333"/>
                   </a:solidFill>
@@ -12523,7 +12246,7 @@
                 <a:t>class TestComponent </a:t>
               </a:r>
               <a:r>
-                <a:rPr lang="en-US" altLang="ja-JP" dirty="0">
+                <a:rPr lang="en-US" altLang="ja-JP" sz="1600" dirty="0">
                   <a:solidFill>
                     <a:srgbClr val="333333"/>
                   </a:solidFill>
@@ -12533,7 +12256,7 @@
                 <a:t>extends React.Component </a:t>
               </a:r>
               <a:r>
-                <a:rPr lang="en-US" altLang="ja-JP" dirty="0" smtClean="0">
+                <a:rPr lang="en-US" altLang="ja-JP" sz="1600" dirty="0" smtClean="0">
                   <a:solidFill>
                     <a:srgbClr val="333333"/>
                   </a:solidFill>
@@ -12545,7 +12268,7 @@
             </a:p>
             <a:p>
               <a:r>
-                <a:rPr lang="en-US" altLang="ja-JP" dirty="0">
+                <a:rPr lang="en-US" altLang="ja-JP" sz="1600" dirty="0">
                   <a:solidFill>
                     <a:srgbClr val="333333"/>
                   </a:solidFill>
@@ -12555,7 +12278,7 @@
                 <a:t>  </a:t>
               </a:r>
               <a:r>
-                <a:rPr lang="en-US" altLang="ja-JP" dirty="0" smtClean="0">
+                <a:rPr lang="en-US" altLang="ja-JP" sz="1600" dirty="0" smtClean="0">
                   <a:solidFill>
                     <a:srgbClr val="333333"/>
                   </a:solidFill>
@@ -12565,7 +12288,7 @@
                 <a:t>constructor(props</a:t>
               </a:r>
               <a:r>
-                <a:rPr lang="en-US" altLang="ja-JP" dirty="0">
+                <a:rPr lang="en-US" altLang="ja-JP" sz="1600" dirty="0">
                   <a:solidFill>
                     <a:srgbClr val="333333"/>
                   </a:solidFill>
@@ -12577,7 +12300,7 @@
             </a:p>
             <a:p>
               <a:r>
-                <a:rPr lang="en-US" altLang="ja-JP" dirty="0">
+                <a:rPr lang="en-US" altLang="ja-JP" sz="1600" dirty="0">
                   <a:solidFill>
                     <a:srgbClr val="333333"/>
                   </a:solidFill>
@@ -12587,7 +12310,7 @@
                 <a:t>  </a:t>
               </a:r>
               <a:r>
-                <a:rPr lang="en-US" altLang="ja-JP" dirty="0" smtClean="0">
+                <a:rPr lang="en-US" altLang="ja-JP" sz="1600" dirty="0" smtClean="0">
                   <a:solidFill>
                     <a:srgbClr val="333333"/>
                   </a:solidFill>
@@ -12597,7 +12320,7 @@
                 <a:t>  super(props</a:t>
               </a:r>
               <a:r>
-                <a:rPr lang="en-US" altLang="ja-JP" dirty="0">
+                <a:rPr lang="en-US" altLang="ja-JP" sz="1600" dirty="0">
                   <a:solidFill>
                     <a:srgbClr val="333333"/>
                   </a:solidFill>
@@ -12609,7 +12332,7 @@
             </a:p>
             <a:p>
               <a:r>
-                <a:rPr lang="en-US" altLang="ja-JP" dirty="0">
+                <a:rPr lang="en-US" altLang="ja-JP" sz="1600" dirty="0">
                   <a:solidFill>
                     <a:srgbClr val="333333"/>
                   </a:solidFill>
@@ -12619,7 +12342,7 @@
                 <a:t>  </a:t>
               </a:r>
               <a:r>
-                <a:rPr lang="en-US" altLang="ja-JP" dirty="0" smtClean="0">
+                <a:rPr lang="en-US" altLang="ja-JP" sz="1600" dirty="0" smtClean="0">
                   <a:solidFill>
                     <a:srgbClr val="333333"/>
                   </a:solidFill>
@@ -12629,7 +12352,7 @@
                 <a:t>  </a:t>
               </a:r>
               <a:r>
-                <a:rPr lang="en-US" altLang="ja-JP" dirty="0" smtClean="0">
+                <a:rPr lang="en-US" altLang="ja-JP" sz="1600" dirty="0" smtClean="0">
                   <a:solidFill>
                     <a:srgbClr val="FF5050"/>
                   </a:solidFill>
@@ -12639,7 +12362,7 @@
                 <a:t>this.state </a:t>
               </a:r>
               <a:r>
-                <a:rPr lang="en-US" altLang="ja-JP" dirty="0">
+                <a:rPr lang="en-US" altLang="ja-JP" sz="1600" dirty="0">
                   <a:solidFill>
                     <a:srgbClr val="FF5050"/>
                   </a:solidFill>
@@ -12651,7 +12374,7 @@
             </a:p>
             <a:p>
               <a:r>
-                <a:rPr lang="en-US" altLang="ja-JP" dirty="0" smtClean="0">
+                <a:rPr lang="en-US" altLang="ja-JP" sz="1600" dirty="0" smtClean="0">
                   <a:solidFill>
                     <a:srgbClr val="333333"/>
                   </a:solidFill>
@@ -12660,7 +12383,7 @@
                 </a:rPr>
                 <a:t>  }</a:t>
               </a:r>
-              <a:endParaRPr lang="en-US" altLang="ja-JP" dirty="0">
+              <a:endParaRPr lang="en-US" altLang="ja-JP" sz="1600" dirty="0">
                 <a:solidFill>
                   <a:srgbClr val="333333"/>
                 </a:solidFill>
@@ -12670,7 +12393,7 @@
             </a:p>
             <a:p>
               <a:r>
-                <a:rPr lang="en-US" altLang="ja-JP" dirty="0">
+                <a:rPr lang="en-US" altLang="ja-JP" sz="1600" dirty="0">
                   <a:solidFill>
                     <a:srgbClr val="333333"/>
                   </a:solidFill>
@@ -12682,7 +12405,7 @@
             </a:p>
             <a:p>
               <a:r>
-                <a:rPr lang="en-US" altLang="ja-JP" dirty="0">
+                <a:rPr lang="en-US" altLang="ja-JP" sz="1600" dirty="0">
                   <a:solidFill>
                     <a:srgbClr val="333333"/>
                   </a:solidFill>
@@ -12692,7 +12415,7 @@
                 <a:t>  </a:t>
               </a:r>
               <a:r>
-                <a:rPr lang="en-US" altLang="ja-JP" dirty="0" smtClean="0">
+                <a:rPr lang="en-US" altLang="ja-JP" sz="1600" dirty="0" smtClean="0">
                   <a:solidFill>
                     <a:srgbClr val="333333"/>
                   </a:solidFill>
@@ -12702,7 +12425,7 @@
                 <a:t>  </a:t>
               </a:r>
               <a:r>
-                <a:rPr lang="en-US" altLang="ja-JP" dirty="0" smtClean="0">
+                <a:rPr lang="en-US" altLang="ja-JP" sz="1600" dirty="0" smtClean="0">
                   <a:solidFill>
                     <a:srgbClr val="FF5050"/>
                   </a:solidFill>
@@ -12712,7 +12435,7 @@
                 <a:t>this.setState</a:t>
               </a:r>
               <a:r>
-                <a:rPr lang="en-US" altLang="ja-JP" dirty="0">
+                <a:rPr lang="en-US" altLang="ja-JP" sz="1600" dirty="0">
                   <a:solidFill>
                     <a:srgbClr val="FF5050"/>
                   </a:solidFill>
@@ -12724,7 +12447,7 @@
             </a:p>
             <a:p>
               <a:r>
-                <a:rPr lang="en-US" altLang="ja-JP" dirty="0" smtClean="0">
+                <a:rPr lang="en-US" altLang="ja-JP" sz="1600" dirty="0" smtClean="0">
                   <a:solidFill>
                     <a:srgbClr val="333333"/>
                   </a:solidFill>
@@ -12736,7 +12459,7 @@
             </a:p>
             <a:p>
               <a:r>
-                <a:rPr lang="en-US" altLang="ja-JP" dirty="0" smtClean="0">
+                <a:rPr lang="en-US" altLang="ja-JP" sz="1600" dirty="0" smtClean="0">
                   <a:solidFill>
                     <a:srgbClr val="333333"/>
                   </a:solidFill>
@@ -12746,7 +12469,7 @@
                 <a:t>  </a:t>
               </a:r>
               <a:r>
-                <a:rPr lang="en-US" altLang="ja-JP" dirty="0">
+                <a:rPr lang="en-US" altLang="ja-JP" sz="1600" dirty="0">
                   <a:solidFill>
                     <a:srgbClr val="333333"/>
                   </a:solidFill>
@@ -12758,7 +12481,7 @@
             </a:p>
             <a:p>
               <a:r>
-                <a:rPr lang="en-US" altLang="ja-JP" dirty="0">
+                <a:rPr lang="en-US" altLang="ja-JP" sz="1600" dirty="0">
                   <a:solidFill>
                     <a:srgbClr val="333333"/>
                   </a:solidFill>
@@ -12770,7 +12493,7 @@
             </a:p>
             <a:p>
               <a:r>
-                <a:rPr lang="en-US" altLang="ja-JP" dirty="0">
+                <a:rPr lang="en-US" altLang="ja-JP" sz="1600" dirty="0">
                   <a:solidFill>
                     <a:srgbClr val="333333"/>
                   </a:solidFill>
@@ -12782,7 +12505,7 @@
             </a:p>
             <a:p>
               <a:r>
-                <a:rPr lang="en-US" altLang="ja-JP" dirty="0">
+                <a:rPr lang="en-US" altLang="ja-JP" sz="1600" dirty="0">
                   <a:solidFill>
                     <a:srgbClr val="FF5050"/>
                   </a:solidFill>
@@ -12792,7 +12515,7 @@
                 <a:t> </a:t>
               </a:r>
               <a:r>
-                <a:rPr lang="en-US" altLang="ja-JP" dirty="0" smtClean="0">
+                <a:rPr lang="en-US" altLang="ja-JP" sz="1600" dirty="0" smtClean="0">
                   <a:solidFill>
                     <a:srgbClr val="FF5050"/>
                   </a:solidFill>
@@ -12804,7 +12527,7 @@
             </a:p>
             <a:p>
               <a:r>
-                <a:rPr lang="en-US" altLang="ja-JP" dirty="0">
+                <a:rPr lang="en-US" altLang="ja-JP" sz="1600" dirty="0">
                   <a:solidFill>
                     <a:srgbClr val="FF5050"/>
                   </a:solidFill>
@@ -12814,17 +12537,17 @@
                 <a:t> </a:t>
               </a:r>
               <a:r>
-                <a:rPr lang="en-US" altLang="ja-JP" dirty="0" smtClean="0">
+                <a:rPr lang="en-US" altLang="ja-JP" sz="1600" dirty="0" smtClean="0">
                   <a:solidFill>
                     <a:srgbClr val="FF5050"/>
                   </a:solidFill>
                   <a:latin typeface="ＭＳ Ｐゴシック" panose="020B0600070205080204" pitchFamily="50" charset="-128"/>
                   <a:ea typeface="ＭＳ Ｐゴシック" panose="020B0600070205080204" pitchFamily="50" charset="-128"/>
                 </a:rPr>
-                <a:t>       &lt;button onClick={ () =&gt; this.add() } /&gt;</a:t>
+                <a:t>       &lt;button onClick={ (event) =&gt; this.add(event) } /&gt;</a:t>
               </a:r>
               <a:r>
-                <a:rPr lang="ja-JP" altLang="en-US" dirty="0" smtClean="0">
+                <a:rPr lang="ja-JP" altLang="en-US" sz="1600" dirty="0" smtClean="0">
                   <a:solidFill>
                     <a:srgbClr val="FF5050"/>
                   </a:solidFill>
@@ -12834,7 +12557,7 @@
                 <a:t>ボタン</a:t>
               </a:r>
               <a:r>
-                <a:rPr lang="en-US" altLang="ja-JP" dirty="0" smtClean="0">
+                <a:rPr lang="en-US" altLang="ja-JP" sz="1600" dirty="0" smtClean="0">
                   <a:solidFill>
                     <a:srgbClr val="FF5050"/>
                   </a:solidFill>
@@ -12843,7 +12566,7 @@
                 </a:rPr>
                 <a:t>&lt;/button&gt;</a:t>
               </a:r>
-              <a:endParaRPr lang="en-US" altLang="ja-JP" dirty="0">
+              <a:endParaRPr lang="en-US" altLang="ja-JP" sz="1600" dirty="0">
                 <a:solidFill>
                   <a:srgbClr val="FF5050"/>
                 </a:solidFill>
@@ -12853,7 +12576,7 @@
             </a:p>
             <a:p>
               <a:r>
-                <a:rPr lang="en-US" altLang="ja-JP" dirty="0" smtClean="0">
+                <a:rPr lang="en-US" altLang="ja-JP" sz="1600" dirty="0" smtClean="0">
                   <a:solidFill>
                     <a:srgbClr val="333333"/>
                   </a:solidFill>
@@ -12865,7 +12588,7 @@
             </a:p>
             <a:p>
               <a:r>
-                <a:rPr lang="en-US" altLang="ja-JP" dirty="0" smtClean="0">
+                <a:rPr lang="en-US" altLang="ja-JP" sz="1600" dirty="0" smtClean="0">
                   <a:solidFill>
                     <a:srgbClr val="333333"/>
                   </a:solidFill>
@@ -12875,7 +12598,7 @@
                 <a:t>    </a:t>
               </a:r>
               <a:r>
-                <a:rPr lang="en-US" altLang="ja-JP" dirty="0">
+                <a:rPr lang="en-US" altLang="ja-JP" sz="1600" dirty="0">
                   <a:solidFill>
                     <a:srgbClr val="333333"/>
                   </a:solidFill>
@@ -12887,7 +12610,7 @@
             </a:p>
             <a:p>
               <a:r>
-                <a:rPr lang="en-US" altLang="ja-JP" dirty="0">
+                <a:rPr lang="en-US" altLang="ja-JP" sz="1600" dirty="0">
                   <a:solidFill>
                     <a:srgbClr val="333333"/>
                   </a:solidFill>
@@ -12899,7 +12622,7 @@
             </a:p>
             <a:p>
               <a:r>
-                <a:rPr lang="en-US" altLang="ja-JP" dirty="0" smtClean="0">
+                <a:rPr lang="en-US" altLang="ja-JP" sz="1600" dirty="0" smtClean="0">
                   <a:solidFill>
                     <a:srgbClr val="333333"/>
                   </a:solidFill>
@@ -12911,45 +12634,75 @@
             </a:p>
             <a:p>
               <a:r>
-                <a:rPr lang="en-US" altLang="ja-JP" dirty="0">
+                <a:rPr lang="en-US" altLang="ja-JP" sz="1600" dirty="0">
                   <a:solidFill>
                     <a:srgbClr val="333333"/>
                   </a:solidFill>
                   <a:latin typeface="ＭＳ Ｐゴシック" panose="020B0600070205080204" pitchFamily="50" charset="-128"/>
                   <a:ea typeface="ＭＳ Ｐゴシック" panose="020B0600070205080204" pitchFamily="50" charset="-128"/>
                 </a:rPr>
-                <a:t>(</a:t>
+                <a:t>ReactDOM.render(</a:t>
               </a:r>
+            </a:p>
+            <a:p>
               <a:r>
-                <a:rPr lang="en-US" altLang="ja-JP" dirty="0" smtClean="0">
+                <a:rPr lang="en-US" altLang="ja-JP" sz="1600" dirty="0">
                   <a:solidFill>
                     <a:srgbClr val="333333"/>
                   </a:solidFill>
                   <a:latin typeface="ＭＳ Ｐゴシック" panose="020B0600070205080204" pitchFamily="50" charset="-128"/>
                   <a:ea typeface="ＭＳ Ｐゴシック" panose="020B0600070205080204" pitchFamily="50" charset="-128"/>
                 </a:rPr>
-                <a:t>ReactDOM.render</a:t>
+                <a:t>  &lt;TestComponent </a:t>
               </a:r>
               <a:r>
-                <a:rPr lang="ja-JP" altLang="en-US" dirty="0" smtClean="0">
+                <a:rPr lang="en-US" altLang="ja-JP" sz="1600" dirty="0" smtClean="0">
                   <a:solidFill>
                     <a:srgbClr val="333333"/>
                   </a:solidFill>
                   <a:latin typeface="ＭＳ Ｐゴシック" panose="020B0600070205080204" pitchFamily="50" charset="-128"/>
                   <a:ea typeface="ＭＳ Ｐゴシック" panose="020B0600070205080204" pitchFamily="50" charset="-128"/>
                 </a:rPr>
-                <a:t>は省略</a:t>
+                <a:t>/&gt;,</a:t>
               </a:r>
+              <a:endParaRPr lang="en-US" altLang="ja-JP" sz="1600" dirty="0">
+                <a:solidFill>
+                  <a:srgbClr val="333333"/>
+                </a:solidFill>
+                <a:latin typeface="ＭＳ Ｐゴシック" panose="020B0600070205080204" pitchFamily="50" charset="-128"/>
+                <a:ea typeface="ＭＳ Ｐゴシック" panose="020B0600070205080204" pitchFamily="50" charset="-128"/>
+              </a:endParaRPr>
+            </a:p>
+            <a:p>
               <a:r>
-                <a:rPr lang="en-US" altLang="ja-JP" dirty="0" smtClean="0">
+                <a:rPr lang="en-US" altLang="ja-JP" sz="1600" dirty="0">
                   <a:solidFill>
                     <a:srgbClr val="333333"/>
                   </a:solidFill>
                   <a:latin typeface="ＭＳ Ｐゴシック" panose="020B0600070205080204" pitchFamily="50" charset="-128"/>
                   <a:ea typeface="ＭＳ Ｐゴシック" panose="020B0600070205080204" pitchFamily="50" charset="-128"/>
                 </a:rPr>
-                <a:t>)</a:t>
+                <a:t>  document.getElementById(‘sample')</a:t>
               </a:r>
+            </a:p>
+            <a:p>
+              <a:r>
+                <a:rPr lang="en-US" altLang="ja-JP" sz="1600" dirty="0">
+                  <a:solidFill>
+                    <a:srgbClr val="333333"/>
+                  </a:solidFill>
+                  <a:latin typeface="ＭＳ Ｐゴシック" panose="020B0600070205080204" pitchFamily="50" charset="-128"/>
+                  <a:ea typeface="ＭＳ Ｐゴシック" panose="020B0600070205080204" pitchFamily="50" charset="-128"/>
+                </a:rPr>
+                <a:t>);</a:t>
+              </a:r>
+              <a:endParaRPr lang="ja-JP" altLang="en-US" sz="1600" dirty="0">
+                <a:solidFill>
+                  <a:srgbClr val="333333"/>
+                </a:solidFill>
+                <a:latin typeface="ＭＳ Ｐゴシック" panose="020B0600070205080204" pitchFamily="50" charset="-128"/>
+                <a:ea typeface="ＭＳ Ｐゴシック" panose="020B0600070205080204" pitchFamily="50" charset="-128"/>
+              </a:endParaRPr>
             </a:p>
           </p:txBody>
         </p:sp>
@@ -12962,7 +12715,7 @@
         </p:nvSpPr>
         <p:spPr>
           <a:xfrm>
-            <a:off x="5577366" y="3090937"/>
+            <a:off x="4986237" y="2873820"/>
             <a:ext cx="413239" cy="358128"/>
           </a:xfrm>
           <a:prstGeom prst="wedgeRectCallout">
@@ -13719,7 +13472,7 @@
         </p:nvSpPr>
         <p:spPr>
           <a:xfrm>
-            <a:off x="3509164" y="2260709"/>
+            <a:off x="3130804" y="2152644"/>
             <a:ext cx="413239" cy="358128"/>
           </a:xfrm>
           <a:prstGeom prst="wedgeRectCallout">
@@ -13780,7 +13533,7 @@
         </p:nvSpPr>
         <p:spPr>
           <a:xfrm>
-            <a:off x="3869781" y="4449455"/>
+            <a:off x="3393746" y="4089304"/>
             <a:ext cx="413239" cy="358128"/>
           </a:xfrm>
           <a:prstGeom prst="wedgeRectCallout">
@@ -13841,7 +13594,7 @@
         </p:nvSpPr>
         <p:spPr>
           <a:xfrm>
-            <a:off x="5834923" y="4341029"/>
+            <a:off x="4563286" y="3970204"/>
             <a:ext cx="413239" cy="358128"/>
           </a:xfrm>
           <a:prstGeom prst="wedgeRectCallout">
@@ -13948,13 +13701,13 @@
           <p:nvPr/>
         </p:nvCxnSpPr>
         <p:spPr>
-          <a:xfrm flipH="1" flipV="1">
-            <a:off x="5990605" y="3270001"/>
-            <a:ext cx="257557" cy="1250092"/>
+          <a:xfrm flipV="1">
+            <a:off x="4976525" y="3052884"/>
+            <a:ext cx="422951" cy="1096384"/>
           </a:xfrm>
           <a:prstGeom prst="bentConnector3">
             <a:avLst>
-              <a:gd name="adj1" fmla="val -88757"/>
+              <a:gd name="adj1" fmla="val 154049"/>
             </a:avLst>
           </a:prstGeom>
           <a:ln w="19050">
@@ -18502,7 +18255,23 @@
             </a:r>
             <a:r>
               <a:rPr lang="ja-JP" altLang="en-US" dirty="0" smtClean="0"/>
-              <a:t>は、ツリー構造と呼ばれる階層構造をとる</a:t>
+              <a:t>は</a:t>
+            </a:r>
+            <a:r>
+              <a:rPr lang="ja-JP" altLang="en-US" dirty="0" smtClean="0"/>
+              <a:t>、</a:t>
+            </a:r>
+            <a:r>
+              <a:rPr lang="en-US" altLang="ja-JP" dirty="0" smtClean="0"/>
+              <a:t>DOM</a:t>
+            </a:r>
+            <a:r>
+              <a:rPr lang="ja-JP" altLang="en-US" dirty="0" smtClean="0"/>
+              <a:t>ツリーと</a:t>
+            </a:r>
+            <a:r>
+              <a:rPr lang="ja-JP" altLang="en-US" dirty="0" smtClean="0"/>
+              <a:t>呼ばれる階層構造をとる</a:t>
             </a:r>
             <a:endParaRPr lang="en-US" altLang="ja-JP" dirty="0" smtClean="0"/>
           </a:p>
@@ -19563,15 +19332,11 @@
             <a:avLst/>
           </a:prstGeom>
           <a:solidFill>
-            <a:schemeClr val="accent3">
-              <a:lumMod val="75000"/>
-            </a:schemeClr>
+            <a:srgbClr val="3B3838"/>
           </a:solidFill>
           <a:ln>
             <a:solidFill>
-              <a:schemeClr val="bg2">
-                <a:lumMod val="50000"/>
-              </a:schemeClr>
+              <a:schemeClr val="tx1"/>
             </a:solidFill>
           </a:ln>
         </p:spPr>
@@ -19597,10 +19362,10 @@
           <a:p>
             <a:pPr algn="ctr"/>
             <a:r>
-              <a:rPr lang="en-US" altLang="ja-JP" sz="1200" dirty="0" smtClean="0"/>
+              <a:rPr lang="en-US" altLang="ja-JP" sz="1200" dirty="0"/>
               <a:t>Documnet</a:t>
             </a:r>
-            <a:endParaRPr kumimoji="1" lang="ja-JP" altLang="en-US" sz="1200" dirty="0"/>
+            <a:endParaRPr lang="ja-JP" altLang="en-US" sz="1200" dirty="0"/>
           </a:p>
         </p:txBody>
       </p:sp>
@@ -20049,15 +19814,11 @@
             <a:avLst/>
           </a:prstGeom>
           <a:solidFill>
-            <a:schemeClr val="accent3">
-              <a:lumMod val="75000"/>
-            </a:schemeClr>
+            <a:srgbClr val="3B3838"/>
           </a:solidFill>
           <a:ln>
             <a:solidFill>
-              <a:schemeClr val="bg2">
-                <a:lumMod val="50000"/>
-              </a:schemeClr>
+              <a:schemeClr val="tx1"/>
             </a:solidFill>
           </a:ln>
         </p:spPr>
@@ -21417,9 +21178,10 @@
               </a:lstStyle>
               <a:p>
                 <a:r>
-                  <a:rPr lang="en-US" altLang="ja-JP" dirty="0"/>
-                  <a:t>sample.jsx</a:t>
+                  <a:rPr lang="en-US" altLang="ja-JP" dirty="0" smtClean="0"/>
+                  <a:t>sample.js</a:t>
                 </a:r>
+                <a:endParaRPr lang="en-US" altLang="ja-JP" dirty="0"/>
               </a:p>
             </p:txBody>
           </p:sp>
@@ -22363,6 +22125,21 @@
           <a:bodyPr rtlCol="0" anchor="ctr"/>
           <a:lstStyle/>
           <a:p>
+            <a:endParaRPr lang="en-US" altLang="ja-JP" dirty="0" smtClean="0">
+              <a:solidFill>
+                <a:schemeClr val="tx1"/>
+              </a:solidFill>
+            </a:endParaRPr>
+          </a:p>
+          <a:p>
+            <a:r>
+              <a:rPr lang="ja-JP" altLang="en-US" dirty="0" smtClean="0">
+                <a:solidFill>
+                  <a:schemeClr val="tx1"/>
+                </a:solidFill>
+              </a:rPr>
+              <a:t>　</a:t>
+            </a:r>
             <a:r>
               <a:rPr lang="en-US" altLang="ja-JP" dirty="0" smtClean="0">
                 <a:solidFill>
@@ -22409,7 +22186,7 @@
                   <a:schemeClr val="tx1"/>
                 </a:solidFill>
               </a:rPr>
-              <a:t>ノードの</a:t>
+              <a:t>ノード</a:t>
             </a:r>
             <a:r>
               <a:rPr lang="en-US" altLang="ja-JP" dirty="0" smtClean="0">
@@ -22417,7 +22194,7 @@
                   <a:schemeClr val="tx1"/>
                 </a:solidFill>
               </a:rPr>
-              <a:t>ID)</a:t>
+              <a:t>)</a:t>
             </a:r>
             <a:endParaRPr lang="ja-JP" altLang="en-US" dirty="0">
               <a:solidFill>
@@ -22542,6 +22319,215 @@
                 <a:schemeClr val="tx1"/>
               </a:solidFill>
             </a:endParaRPr>
+          </a:p>
+        </p:txBody>
+      </p:sp>
+      <p:sp>
+        <p:nvSpPr>
+          <p:cNvPr id="18" name="コンテンツ プレースホルダー 3"/>
+          <p:cNvSpPr txBox="1">
+            <a:spLocks/>
+          </p:cNvSpPr>
+          <p:nvPr/>
+        </p:nvSpPr>
+        <p:spPr>
+          <a:xfrm>
+            <a:off x="555218" y="5554134"/>
+            <a:ext cx="1182142" cy="322964"/>
+          </a:xfrm>
+          <a:prstGeom prst="rect">
+            <a:avLst/>
+          </a:prstGeom>
+          <a:solidFill>
+            <a:schemeClr val="accent4">
+              <a:lumMod val="60000"/>
+              <a:lumOff val="40000"/>
+            </a:schemeClr>
+          </a:solidFill>
+          <a:ln>
+            <a:solidFill>
+              <a:schemeClr val="bg1">
+                <a:lumMod val="85000"/>
+              </a:schemeClr>
+            </a:solidFill>
+          </a:ln>
+        </p:spPr>
+        <p:txBody>
+          <a:bodyPr anchor="ctr"/>
+          <a:lstStyle>
+            <a:lvl1pPr marL="228600" indent="-228600" algn="l" defTabSz="914400" rtl="0" eaLnBrk="1" latinLnBrk="0" hangingPunct="1">
+              <a:lnSpc>
+                <a:spcPct val="90000"/>
+              </a:lnSpc>
+              <a:spcBef>
+                <a:spcPts val="1000"/>
+              </a:spcBef>
+              <a:buFont typeface="Arial" panose="020B0604020202020204" pitchFamily="34" charset="0"/>
+              <a:buChar char="•"/>
+              <a:defRPr kumimoji="1" sz="2000" kern="1200">
+                <a:solidFill>
+                  <a:schemeClr val="tx1"/>
+                </a:solidFill>
+                <a:latin typeface="Meiryo UI" panose="020B0604030504040204" pitchFamily="50" charset="-128"/>
+                <a:ea typeface="Meiryo UI" panose="020B0604030504040204" pitchFamily="50" charset="-128"/>
+                <a:cs typeface="+mn-cs"/>
+              </a:defRPr>
+            </a:lvl1pPr>
+            <a:lvl2pPr marL="685800" indent="-228600" algn="l" defTabSz="914400" rtl="0" eaLnBrk="1" latinLnBrk="0" hangingPunct="1">
+              <a:lnSpc>
+                <a:spcPct val="90000"/>
+              </a:lnSpc>
+              <a:spcBef>
+                <a:spcPts val="500"/>
+              </a:spcBef>
+              <a:buFont typeface="Arial" panose="020B0604020202020204" pitchFamily="34" charset="0"/>
+              <a:buChar char="•"/>
+              <a:defRPr kumimoji="1" sz="1800" kern="1200">
+                <a:solidFill>
+                  <a:schemeClr val="tx1"/>
+                </a:solidFill>
+                <a:latin typeface="Meiryo UI" panose="020B0604030504040204" pitchFamily="50" charset="-128"/>
+                <a:ea typeface="Meiryo UI" panose="020B0604030504040204" pitchFamily="50" charset="-128"/>
+                <a:cs typeface="+mn-cs"/>
+              </a:defRPr>
+            </a:lvl2pPr>
+            <a:lvl3pPr marL="1143000" indent="-228600" algn="l" defTabSz="914400" rtl="0" eaLnBrk="1" latinLnBrk="0" hangingPunct="1">
+              <a:lnSpc>
+                <a:spcPct val="90000"/>
+              </a:lnSpc>
+              <a:spcBef>
+                <a:spcPts val="500"/>
+              </a:spcBef>
+              <a:buFont typeface="Arial" panose="020B0604020202020204" pitchFamily="34" charset="0"/>
+              <a:buChar char="•"/>
+              <a:defRPr kumimoji="1" sz="1600" kern="1200">
+                <a:solidFill>
+                  <a:schemeClr val="tx1"/>
+                </a:solidFill>
+                <a:latin typeface="Meiryo UI" panose="020B0604030504040204" pitchFamily="50" charset="-128"/>
+                <a:ea typeface="Meiryo UI" panose="020B0604030504040204" pitchFamily="50" charset="-128"/>
+                <a:cs typeface="+mn-cs"/>
+              </a:defRPr>
+            </a:lvl3pPr>
+            <a:lvl4pPr marL="1600200" indent="-228600" algn="l" defTabSz="914400" rtl="0" eaLnBrk="1" latinLnBrk="0" hangingPunct="1">
+              <a:lnSpc>
+                <a:spcPct val="90000"/>
+              </a:lnSpc>
+              <a:spcBef>
+                <a:spcPts val="500"/>
+              </a:spcBef>
+              <a:buFont typeface="Arial" panose="020B0604020202020204" pitchFamily="34" charset="0"/>
+              <a:buChar char="•"/>
+              <a:defRPr kumimoji="1" sz="1400" kern="1200">
+                <a:solidFill>
+                  <a:schemeClr val="tx1"/>
+                </a:solidFill>
+                <a:latin typeface="Meiryo UI" panose="020B0604030504040204" pitchFamily="50" charset="-128"/>
+                <a:ea typeface="Meiryo UI" panose="020B0604030504040204" pitchFamily="50" charset="-128"/>
+                <a:cs typeface="+mn-cs"/>
+              </a:defRPr>
+            </a:lvl4pPr>
+            <a:lvl5pPr marL="2057400" indent="-228600" algn="l" defTabSz="914400" rtl="0" eaLnBrk="1" latinLnBrk="0" hangingPunct="1">
+              <a:lnSpc>
+                <a:spcPct val="90000"/>
+              </a:lnSpc>
+              <a:spcBef>
+                <a:spcPts val="500"/>
+              </a:spcBef>
+              <a:buFont typeface="Arial" panose="020B0604020202020204" pitchFamily="34" charset="0"/>
+              <a:buChar char="•"/>
+              <a:defRPr kumimoji="1" sz="1200" kern="1200">
+                <a:solidFill>
+                  <a:schemeClr val="tx1"/>
+                </a:solidFill>
+                <a:latin typeface="Meiryo UI" panose="020B0604030504040204" pitchFamily="50" charset="-128"/>
+                <a:ea typeface="Meiryo UI" panose="020B0604030504040204" pitchFamily="50" charset="-128"/>
+                <a:cs typeface="+mn-cs"/>
+              </a:defRPr>
+            </a:lvl5pPr>
+            <a:lvl6pPr marL="2514600" indent="-228600" algn="l" defTabSz="914400" rtl="0" eaLnBrk="1" latinLnBrk="0" hangingPunct="1">
+              <a:lnSpc>
+                <a:spcPct val="90000"/>
+              </a:lnSpc>
+              <a:spcBef>
+                <a:spcPts val="500"/>
+              </a:spcBef>
+              <a:buFont typeface="Arial" panose="020B0604020202020204" pitchFamily="34" charset="0"/>
+              <a:buChar char="•"/>
+              <a:defRPr kumimoji="1" sz="1800" kern="1200">
+                <a:solidFill>
+                  <a:schemeClr val="tx1"/>
+                </a:solidFill>
+                <a:latin typeface="+mn-lt"/>
+                <a:ea typeface="+mn-ea"/>
+                <a:cs typeface="+mn-cs"/>
+              </a:defRPr>
+            </a:lvl6pPr>
+            <a:lvl7pPr marL="2971800" indent="-228600" algn="l" defTabSz="914400" rtl="0" eaLnBrk="1" latinLnBrk="0" hangingPunct="1">
+              <a:lnSpc>
+                <a:spcPct val="90000"/>
+              </a:lnSpc>
+              <a:spcBef>
+                <a:spcPts val="500"/>
+              </a:spcBef>
+              <a:buFont typeface="Arial" panose="020B0604020202020204" pitchFamily="34" charset="0"/>
+              <a:buChar char="•"/>
+              <a:defRPr kumimoji="1" sz="1800" kern="1200">
+                <a:solidFill>
+                  <a:schemeClr val="tx1"/>
+                </a:solidFill>
+                <a:latin typeface="+mn-lt"/>
+                <a:ea typeface="+mn-ea"/>
+                <a:cs typeface="+mn-cs"/>
+              </a:defRPr>
+            </a:lvl7pPr>
+            <a:lvl8pPr marL="3429000" indent="-228600" algn="l" defTabSz="914400" rtl="0" eaLnBrk="1" latinLnBrk="0" hangingPunct="1">
+              <a:lnSpc>
+                <a:spcPct val="90000"/>
+              </a:lnSpc>
+              <a:spcBef>
+                <a:spcPts val="500"/>
+              </a:spcBef>
+              <a:buFont typeface="Arial" panose="020B0604020202020204" pitchFamily="34" charset="0"/>
+              <a:buChar char="•"/>
+              <a:defRPr kumimoji="1" sz="1800" kern="1200">
+                <a:solidFill>
+                  <a:schemeClr val="tx1"/>
+                </a:solidFill>
+                <a:latin typeface="+mn-lt"/>
+                <a:ea typeface="+mn-ea"/>
+                <a:cs typeface="+mn-cs"/>
+              </a:defRPr>
+            </a:lvl8pPr>
+            <a:lvl9pPr marL="3886200" indent="-228600" algn="l" defTabSz="914400" rtl="0" eaLnBrk="1" latinLnBrk="0" hangingPunct="1">
+              <a:lnSpc>
+                <a:spcPct val="90000"/>
+              </a:lnSpc>
+              <a:spcBef>
+                <a:spcPts val="500"/>
+              </a:spcBef>
+              <a:buFont typeface="Arial" panose="020B0604020202020204" pitchFamily="34" charset="0"/>
+              <a:buChar char="•"/>
+              <a:defRPr kumimoji="1" sz="1800" kern="1200">
+                <a:solidFill>
+                  <a:schemeClr val="tx1"/>
+                </a:solidFill>
+                <a:latin typeface="+mn-lt"/>
+                <a:ea typeface="+mn-ea"/>
+                <a:cs typeface="+mn-cs"/>
+              </a:defRPr>
+            </a:lvl9pPr>
+          </a:lstStyle>
+          <a:p>
+            <a:pPr marL="0" indent="0" algn="ctr">
+              <a:buFont typeface="Arial" panose="020B0604020202020204" pitchFamily="34" charset="0"/>
+              <a:buNone/>
+            </a:pPr>
+            <a:r>
+              <a:rPr lang="ja-JP" altLang="en-US" dirty="0" smtClean="0"/>
+              <a:t>用法</a:t>
+            </a:r>
+            <a:endParaRPr lang="ja-JP" altLang="en-US" dirty="0"/>
           </a:p>
         </p:txBody>
       </p:sp>
